--- a/static/img/photogrid.pptx
+++ b/static/img/photogrid.pptx
@@ -3456,7 +3456,7 @@
         </p:blipFill>
         <p:spPr>
           <a:xfrm>
-            <a:off x="3073277" y="3419725"/>
+            <a:off x="3066170" y="3431570"/>
             <a:ext cx="3084800" cy="1735200"/>
           </a:xfrm>
           <a:prstGeom prst="rect">
